--- a/REDIS High Availability with Sentinel.pptx
+++ b/REDIS High Availability with Sentinel.pptx
@@ -5,20 +5,21 @@
     <p:sldMasterId id="2147483967" r:id="rId1"/>
   </p:sldMasterIdLst>
   <p:notesMasterIdLst>
-    <p:notesMasterId r:id="rId13"/>
+    <p:notesMasterId r:id="rId14"/>
   </p:notesMasterIdLst>
   <p:sldIdLst>
     <p:sldId id="256" r:id="rId2"/>
-    <p:sldId id="257" r:id="rId3"/>
-    <p:sldId id="258" r:id="rId4"/>
-    <p:sldId id="259" r:id="rId5"/>
-    <p:sldId id="260" r:id="rId6"/>
-    <p:sldId id="261" r:id="rId7"/>
-    <p:sldId id="262" r:id="rId8"/>
-    <p:sldId id="266" r:id="rId9"/>
-    <p:sldId id="263" r:id="rId10"/>
-    <p:sldId id="264" r:id="rId11"/>
-    <p:sldId id="265" r:id="rId12"/>
+    <p:sldId id="267" r:id="rId3"/>
+    <p:sldId id="257" r:id="rId4"/>
+    <p:sldId id="258" r:id="rId5"/>
+    <p:sldId id="259" r:id="rId6"/>
+    <p:sldId id="260" r:id="rId7"/>
+    <p:sldId id="261" r:id="rId8"/>
+    <p:sldId id="262" r:id="rId9"/>
+    <p:sldId id="266" r:id="rId10"/>
+    <p:sldId id="263" r:id="rId11"/>
+    <p:sldId id="264" r:id="rId12"/>
+    <p:sldId id="265" r:id="rId13"/>
   </p:sldIdLst>
   <p:sldSz cx="9144000" cy="6858000" type="screen4x3"/>
   <p:notesSz cx="6858000" cy="9144000"/>
@@ -598,7 +599,7 @@
           <a:bodyPr/>
           <a:lstStyle/>
           <a:p>
-            <a:pPr marL="0" marR="0" indent="0" algn="l" defTabSz="457200" rtl="0" eaLnBrk="1" fontAlgn="auto" latinLnBrk="0" hangingPunct="1">
+            <a:pPr marL="228600" marR="0" indent="-228600" algn="l" defTabSz="457200" rtl="0" eaLnBrk="1" fontAlgn="auto" latinLnBrk="0" hangingPunct="1">
               <a:lnSpc>
                 <a:spcPct val="100000"/>
               </a:lnSpc>
@@ -611,11 +612,68 @@
               <a:buClrTx/>
               <a:buSzTx/>
               <a:buFontTx/>
-              <a:buNone/>
+              <a:buAutoNum type="arabicParenR"/>
               <a:tabLst/>
               <a:defRPr/>
             </a:pPr>
-            <a:endParaRPr lang="en-US" baseline="0" dirty="0" smtClean="0"/>
+            <a:r>
+              <a:rPr lang="en-US" baseline="0" dirty="0" smtClean="0"/>
+              <a:t>Explain sentinel configuration</a:t>
+            </a:r>
+          </a:p>
+          <a:p>
+            <a:pPr marL="228600" marR="0" indent="-228600" algn="l" defTabSz="457200" rtl="0" eaLnBrk="1" fontAlgn="auto" latinLnBrk="0" hangingPunct="1">
+              <a:lnSpc>
+                <a:spcPct val="100000"/>
+              </a:lnSpc>
+              <a:spcBef>
+                <a:spcPts val="0"/>
+              </a:spcBef>
+              <a:spcAft>
+                <a:spcPts val="0"/>
+              </a:spcAft>
+              <a:buClrTx/>
+              <a:buSzTx/>
+              <a:buFontTx/>
+              <a:buAutoNum type="arabicParenR"/>
+              <a:tabLst/>
+              <a:defRPr/>
+            </a:pPr>
+            <a:r>
+              <a:rPr lang="en-US" baseline="0" dirty="0" smtClean="0"/>
+              <a:t>Spin up </a:t>
+            </a:r>
+            <a:r>
+              <a:rPr lang="en-US" baseline="0" dirty="0" err="1" smtClean="0"/>
+              <a:t>redis</a:t>
+            </a:r>
+            <a:r>
+              <a:rPr lang="en-US" baseline="0" dirty="0" smtClean="0"/>
+              <a:t> servers</a:t>
+            </a:r>
+          </a:p>
+          <a:p>
+            <a:pPr marL="228600" marR="0" indent="-228600" algn="l" defTabSz="457200" rtl="0" eaLnBrk="1" fontAlgn="auto" latinLnBrk="0" hangingPunct="1">
+              <a:lnSpc>
+                <a:spcPct val="100000"/>
+              </a:lnSpc>
+              <a:spcBef>
+                <a:spcPts val="0"/>
+              </a:spcBef>
+              <a:spcAft>
+                <a:spcPts val="0"/>
+              </a:spcAft>
+              <a:buClrTx/>
+              <a:buSzTx/>
+              <a:buFontTx/>
+              <a:buAutoNum type="arabicParenR"/>
+              <a:tabLst/>
+              <a:defRPr/>
+            </a:pPr>
+            <a:r>
+              <a:rPr lang="en-US" baseline="0" dirty="0" smtClean="0"/>
+              <a:t>DEBUG SEGFAULT</a:t>
+            </a:r>
           </a:p>
         </p:txBody>
       </p:sp>
@@ -716,6 +774,107 @@
               <a:tabLst/>
               <a:defRPr/>
             </a:pPr>
+            <a:endParaRPr lang="en-US" baseline="0" dirty="0" smtClean="0"/>
+          </a:p>
+        </p:txBody>
+      </p:sp>
+      <p:sp>
+        <p:nvSpPr>
+          <p:cNvPr id="4" name="Slide Number Placeholder 3"/>
+          <p:cNvSpPr>
+            <a:spLocks noGrp="1"/>
+          </p:cNvSpPr>
+          <p:nvPr>
+            <p:ph type="sldNum" sz="quarter" idx="10"/>
+          </p:nvPr>
+        </p:nvSpPr>
+        <p:spPr/>
+        <p:txBody>
+          <a:bodyPr/>
+          <a:lstStyle/>
+          <a:p>
+            <a:fld id="{E36AEEE0-B63A-2B40-B78F-F3D18D043A7D}" type="slidenum">
+              <a:rPr lang="en-US" smtClean="0"/>
+              <a:t>11</a:t>
+            </a:fld>
+            <a:endParaRPr lang="en-US"/>
+          </a:p>
+        </p:txBody>
+      </p:sp>
+    </p:spTree>
+    <p:extLst>
+      <p:ext uri="{BB962C8B-B14F-4D97-AF65-F5344CB8AC3E}">
+        <p14:creationId xmlns:p14="http://schemas.microsoft.com/office/powerpoint/2010/main" val="808866858"/>
+      </p:ext>
+    </p:extLst>
+  </p:cSld>
+  <p:clrMapOvr>
+    <a:masterClrMapping/>
+  </p:clrMapOvr>
+</p:notes>
+</file>
+
+<file path=ppt/notesSlides/notesSlide12.xml><?xml version="1.0" encoding="utf-8"?>
+<p:notes xmlns:a="http://schemas.openxmlformats.org/drawingml/2006/main" xmlns:r="http://schemas.openxmlformats.org/officeDocument/2006/relationships" xmlns:p="http://schemas.openxmlformats.org/presentationml/2006/main">
+  <p:cSld>
+    <p:spTree>
+      <p:nvGrpSpPr>
+        <p:cNvPr id="1" name=""/>
+        <p:cNvGrpSpPr/>
+        <p:nvPr/>
+      </p:nvGrpSpPr>
+      <p:grpSpPr>
+        <a:xfrm>
+          <a:off x="0" y="0"/>
+          <a:ext cx="0" cy="0"/>
+          <a:chOff x="0" y="0"/>
+          <a:chExt cx="0" cy="0"/>
+        </a:xfrm>
+      </p:grpSpPr>
+      <p:sp>
+        <p:nvSpPr>
+          <p:cNvPr id="2" name="Slide Image Placeholder 1"/>
+          <p:cNvSpPr>
+            <a:spLocks noGrp="1" noRot="1" noChangeAspect="1"/>
+          </p:cNvSpPr>
+          <p:nvPr>
+            <p:ph type="sldImg"/>
+          </p:nvPr>
+        </p:nvSpPr>
+        <p:spPr/>
+      </p:sp>
+      <p:sp>
+        <p:nvSpPr>
+          <p:cNvPr id="3" name="Notes Placeholder 2"/>
+          <p:cNvSpPr>
+            <a:spLocks noGrp="1"/>
+          </p:cNvSpPr>
+          <p:nvPr>
+            <p:ph type="body" idx="1"/>
+          </p:nvPr>
+        </p:nvSpPr>
+        <p:spPr/>
+        <p:txBody>
+          <a:bodyPr/>
+          <a:lstStyle/>
+          <a:p>
+            <a:pPr marL="0" marR="0" indent="0" algn="l" defTabSz="457200" rtl="0" eaLnBrk="1" fontAlgn="auto" latinLnBrk="0" hangingPunct="1">
+              <a:lnSpc>
+                <a:spcPct val="100000"/>
+              </a:lnSpc>
+              <a:spcBef>
+                <a:spcPts val="0"/>
+              </a:spcBef>
+              <a:spcAft>
+                <a:spcPts val="0"/>
+              </a:spcAft>
+              <a:buClrTx/>
+              <a:buSzTx/>
+              <a:buFontTx/>
+              <a:buNone/>
+              <a:tabLst/>
+              <a:defRPr/>
+            </a:pPr>
             <a:r>
               <a:rPr lang="en-US" dirty="0" smtClean="0"/>
               <a:t>Key-value</a:t>
@@ -744,7 +903,7 @@
           <a:p>
             <a:fld id="{E36AEEE0-B63A-2B40-B78F-F3D18D043A7D}" type="slidenum">
               <a:rPr lang="en-US" smtClean="0"/>
-              <a:t>11</a:t>
+              <a:t>12</a:t>
             </a:fld>
             <a:endParaRPr lang="en-US"/>
           </a:p>
@@ -807,31 +966,29 @@
           <a:bodyPr/>
           <a:lstStyle/>
           <a:p>
-            <a:pPr marL="0" marR="0" indent="0" algn="l" defTabSz="457200" rtl="0" eaLnBrk="1" fontAlgn="auto" latinLnBrk="0" hangingPunct="1">
-              <a:lnSpc>
-                <a:spcPct val="100000"/>
-              </a:lnSpc>
-              <a:spcBef>
-                <a:spcPts val="0"/>
-              </a:spcBef>
-              <a:spcAft>
-                <a:spcPts val="0"/>
-              </a:spcAft>
-              <a:buClrTx/>
-              <a:buSzTx/>
-              <a:buFontTx/>
-              <a:buNone/>
-              <a:tabLst/>
-              <a:defRPr/>
-            </a:pPr>
+            <a:r>
+              <a:rPr lang="en-US" dirty="0" err="1" smtClean="0"/>
+              <a:t>Wanna</a:t>
+            </a:r>
             <a:r>
               <a:rPr lang="en-US" dirty="0" smtClean="0"/>
-              <a:t>Key-value</a:t>
+              <a:t> hear a joke about pizza?  Never mind</a:t>
             </a:r>
             <a:r>
               <a:rPr lang="en-US" baseline="0" dirty="0" smtClean="0"/>
-              <a:t> store in memory data structure server</a:t>
-            </a:r>
+              <a:t> it’s too cheesy.</a:t>
+            </a:r>
+          </a:p>
+          <a:p>
+            <a:r>
+              <a:rPr lang="en-US" dirty="0" smtClean="0"/>
+              <a:t>Did you hear about my band 999 Megabytes?</a:t>
+            </a:r>
+            <a:r>
+              <a:rPr lang="en-US" baseline="0" dirty="0" smtClean="0"/>
+              <a:t>  We haven’t had a gig yet.</a:t>
+            </a:r>
+            <a:endParaRPr lang="en-US" dirty="0"/>
           </a:p>
         </p:txBody>
       </p:sp>
@@ -861,7 +1018,7 @@
     </p:spTree>
     <p:extLst>
       <p:ext uri="{BB962C8B-B14F-4D97-AF65-F5344CB8AC3E}">
-        <p14:creationId xmlns:p14="http://schemas.microsoft.com/office/powerpoint/2010/main" val="808866858"/>
+        <p14:creationId xmlns:p14="http://schemas.microsoft.com/office/powerpoint/2010/main" val="2749264216"/>
       </p:ext>
     </p:extLst>
   </p:cSld>
@@ -934,9 +1091,12 @@
             </a:pPr>
             <a:r>
               <a:rPr lang="en-US" dirty="0" smtClean="0"/>
-              <a:t>Not available yet, date gets pushed off</a:t>
-            </a:r>
-            <a:endParaRPr lang="en-US" baseline="0" dirty="0" smtClean="0"/>
+              <a:t>Key-value</a:t>
+            </a:r>
+            <a:r>
+              <a:rPr lang="en-US" baseline="0" dirty="0" smtClean="0"/>
+              <a:t> store in memory data structure server</a:t>
+            </a:r>
           </a:p>
         </p:txBody>
       </p:sp>
@@ -1039,12 +1199,9 @@
             </a:pPr>
             <a:r>
               <a:rPr lang="en-US" dirty="0" smtClean="0"/>
-              <a:t>Read the spec, note</a:t>
-            </a:r>
-            <a:r>
-              <a:rPr lang="en-US" baseline="0" dirty="0" smtClean="0"/>
-              <a:t> a lot of the spec is in flux as well</a:t>
-            </a:r>
+              <a:t>Not available yet, date gets pushed off</a:t>
+            </a:r>
+            <a:endParaRPr lang="en-US" baseline="0" dirty="0" smtClean="0"/>
           </a:p>
         </p:txBody>
       </p:sp>
@@ -1147,11 +1304,11 @@
             </a:pPr>
             <a:r>
               <a:rPr lang="en-US" dirty="0" smtClean="0"/>
-              <a:t>Cluster</a:t>
+              <a:t>Read the spec, note</a:t>
             </a:r>
             <a:r>
               <a:rPr lang="en-US" baseline="0" dirty="0" smtClean="0"/>
-              <a:t> is still alpha and in flux, but you can always clone the unstable branch and play with it.  Few resources out there and interim solutions available.</a:t>
+              <a:t> a lot of the spec is in flux as well</a:t>
             </a:r>
           </a:p>
         </p:txBody>
@@ -1254,54 +1411,12 @@
               <a:defRPr/>
             </a:pPr>
             <a:r>
+              <a:rPr lang="en-US" dirty="0" smtClean="0"/>
+              <a:t>Cluster</a:t>
+            </a:r>
+            <a:r>
               <a:rPr lang="en-US" baseline="0" dirty="0" smtClean="0"/>
-              <a:t>Can only have 1 master per cluster</a:t>
-            </a:r>
-          </a:p>
-          <a:p>
-            <a:pPr marL="0" marR="0" indent="0" algn="l" defTabSz="457200" rtl="0" eaLnBrk="1" fontAlgn="auto" latinLnBrk="0" hangingPunct="1">
-              <a:lnSpc>
-                <a:spcPct val="100000"/>
-              </a:lnSpc>
-              <a:spcBef>
-                <a:spcPts val="0"/>
-              </a:spcBef>
-              <a:spcAft>
-                <a:spcPts val="0"/>
-              </a:spcAft>
-              <a:buClrTx/>
-              <a:buSzTx/>
-              <a:buFontTx/>
-              <a:buNone/>
-              <a:tabLst/>
-              <a:defRPr/>
-            </a:pPr>
-            <a:r>
-              <a:rPr lang="en-US" baseline="0" dirty="0" smtClean="0"/>
-              <a:t>Slaves are read-only</a:t>
-            </a:r>
-          </a:p>
-          <a:p>
-            <a:pPr marL="0" marR="0" indent="0" algn="l" defTabSz="457200" rtl="0" eaLnBrk="1" fontAlgn="auto" latinLnBrk="0" hangingPunct="1">
-              <a:lnSpc>
-                <a:spcPct val="100000"/>
-              </a:lnSpc>
-              <a:spcBef>
-                <a:spcPts val="0"/>
-              </a:spcBef>
-              <a:spcAft>
-                <a:spcPts val="0"/>
-              </a:spcAft>
-              <a:buClrTx/>
-              <a:buSzTx/>
-              <a:buFontTx/>
-              <a:buNone/>
-              <a:tabLst/>
-              <a:defRPr/>
-            </a:pPr>
-            <a:r>
-              <a:rPr lang="en-US" baseline="0" dirty="0" smtClean="0"/>
-              <a:t>Failover if master fails is manual</a:t>
+              <a:t> is still alpha and in flux, but you can always clone the unstable branch and play with it.  Few resources out there and interim solutions available.</a:t>
             </a:r>
           </a:p>
         </p:txBody>
@@ -1403,7 +1518,56 @@
               <a:tabLst/>
               <a:defRPr/>
             </a:pPr>
-            <a:endParaRPr lang="en-US" baseline="0" dirty="0" smtClean="0"/>
+            <a:r>
+              <a:rPr lang="en-US" baseline="0" dirty="0" smtClean="0"/>
+              <a:t>Can only have 1 master per cluster</a:t>
+            </a:r>
+          </a:p>
+          <a:p>
+            <a:pPr marL="0" marR="0" indent="0" algn="l" defTabSz="457200" rtl="0" eaLnBrk="1" fontAlgn="auto" latinLnBrk="0" hangingPunct="1">
+              <a:lnSpc>
+                <a:spcPct val="100000"/>
+              </a:lnSpc>
+              <a:spcBef>
+                <a:spcPts val="0"/>
+              </a:spcBef>
+              <a:spcAft>
+                <a:spcPts val="0"/>
+              </a:spcAft>
+              <a:buClrTx/>
+              <a:buSzTx/>
+              <a:buFontTx/>
+              <a:buNone/>
+              <a:tabLst/>
+              <a:defRPr/>
+            </a:pPr>
+            <a:r>
+              <a:rPr lang="en-US" baseline="0" dirty="0" smtClean="0"/>
+              <a:t>Slaves are read-only</a:t>
+            </a:r>
+          </a:p>
+          <a:p>
+            <a:pPr marL="0" marR="0" indent="0" algn="l" defTabSz="457200" rtl="0" eaLnBrk="1" fontAlgn="auto" latinLnBrk="0" hangingPunct="1">
+              <a:lnSpc>
+                <a:spcPct val="100000"/>
+              </a:lnSpc>
+              <a:spcBef>
+                <a:spcPts val="0"/>
+              </a:spcBef>
+              <a:spcAft>
+                <a:spcPts val="0"/>
+              </a:spcAft>
+              <a:buClrTx/>
+              <a:buSzTx/>
+              <a:buFontTx/>
+              <a:buNone/>
+              <a:tabLst/>
+              <a:defRPr/>
+            </a:pPr>
+            <a:r>
+              <a:rPr lang="en-US" baseline="0" dirty="0" smtClean="0"/>
+              <a:t>Failover if master fails is manual</a:t>
+            </a:r>
           </a:p>
         </p:txBody>
       </p:sp>
@@ -1487,7 +1651,24 @@
           <a:bodyPr/>
           <a:lstStyle/>
           <a:p>
-            <a:endParaRPr lang="en-US" dirty="0"/>
+            <a:pPr marL="0" marR="0" indent="0" algn="l" defTabSz="457200" rtl="0" eaLnBrk="1" fontAlgn="auto" latinLnBrk="0" hangingPunct="1">
+              <a:lnSpc>
+                <a:spcPct val="100000"/>
+              </a:lnSpc>
+              <a:spcBef>
+                <a:spcPts val="0"/>
+              </a:spcBef>
+              <a:spcAft>
+                <a:spcPts val="0"/>
+              </a:spcAft>
+              <a:buClrTx/>
+              <a:buSzTx/>
+              <a:buFontTx/>
+              <a:buNone/>
+              <a:tabLst/>
+              <a:defRPr/>
+            </a:pPr>
+            <a:endParaRPr lang="en-US" baseline="0" dirty="0" smtClean="0"/>
           </a:p>
         </p:txBody>
       </p:sp>
@@ -1517,7 +1698,7 @@
     </p:spTree>
     <p:extLst>
       <p:ext uri="{BB962C8B-B14F-4D97-AF65-F5344CB8AC3E}">
-        <p14:creationId xmlns:p14="http://schemas.microsoft.com/office/powerpoint/2010/main" val="2533128731"/>
+        <p14:creationId xmlns:p14="http://schemas.microsoft.com/office/powerpoint/2010/main" val="808866858"/>
       </p:ext>
     </p:extLst>
   </p:cSld>
@@ -1571,81 +1752,7 @@
           <a:bodyPr/>
           <a:lstStyle/>
           <a:p>
-            <a:pPr marL="228600" marR="0" indent="-228600" algn="l" defTabSz="457200" rtl="0" eaLnBrk="1" fontAlgn="auto" latinLnBrk="0" hangingPunct="1">
-              <a:lnSpc>
-                <a:spcPct val="100000"/>
-              </a:lnSpc>
-              <a:spcBef>
-                <a:spcPts val="0"/>
-              </a:spcBef>
-              <a:spcAft>
-                <a:spcPts val="0"/>
-              </a:spcAft>
-              <a:buClrTx/>
-              <a:buSzTx/>
-              <a:buFontTx/>
-              <a:buAutoNum type="arabicParenR"/>
-              <a:tabLst/>
-              <a:defRPr/>
-            </a:pPr>
-            <a:r>
-              <a:rPr lang="en-US" baseline="0" dirty="0" smtClean="0"/>
-              <a:t>Explain sentinel configuration</a:t>
-            </a:r>
-          </a:p>
-          <a:p>
-            <a:pPr marL="228600" marR="0" indent="-228600" algn="l" defTabSz="457200" rtl="0" eaLnBrk="1" fontAlgn="auto" latinLnBrk="0" hangingPunct="1">
-              <a:lnSpc>
-                <a:spcPct val="100000"/>
-              </a:lnSpc>
-              <a:spcBef>
-                <a:spcPts val="0"/>
-              </a:spcBef>
-              <a:spcAft>
-                <a:spcPts val="0"/>
-              </a:spcAft>
-              <a:buClrTx/>
-              <a:buSzTx/>
-              <a:buFontTx/>
-              <a:buAutoNum type="arabicParenR"/>
-              <a:tabLst/>
-              <a:defRPr/>
-            </a:pPr>
-            <a:r>
-              <a:rPr lang="en-US" baseline="0" dirty="0" smtClean="0"/>
-              <a:t>Spin up </a:t>
-            </a:r>
-            <a:r>
-              <a:rPr lang="en-US" baseline="0" dirty="0" err="1" smtClean="0"/>
-              <a:t>redis</a:t>
-            </a:r>
-            <a:r>
-              <a:rPr lang="en-US" baseline="0" dirty="0" smtClean="0"/>
-              <a:t> servers</a:t>
-            </a:r>
-          </a:p>
-          <a:p>
-            <a:pPr marL="228600" marR="0" indent="-228600" algn="l" defTabSz="457200" rtl="0" eaLnBrk="1" fontAlgn="auto" latinLnBrk="0" hangingPunct="1">
-              <a:lnSpc>
-                <a:spcPct val="100000"/>
-              </a:lnSpc>
-              <a:spcBef>
-                <a:spcPts val="0"/>
-              </a:spcBef>
-              <a:spcAft>
-                <a:spcPts val="0"/>
-              </a:spcAft>
-              <a:buClrTx/>
-              <a:buSzTx/>
-              <a:buFontTx/>
-              <a:buAutoNum type="arabicParenR"/>
-              <a:tabLst/>
-              <a:defRPr/>
-            </a:pPr>
-            <a:r>
-              <a:rPr lang="en-US" baseline="0" dirty="0" smtClean="0"/>
-              <a:t>DEBUG SEGFAULT</a:t>
-            </a:r>
+            <a:endParaRPr lang="en-US" dirty="0"/>
           </a:p>
         </p:txBody>
       </p:sp>
@@ -1675,7 +1782,7 @@
     </p:spTree>
     <p:extLst>
       <p:ext uri="{BB962C8B-B14F-4D97-AF65-F5344CB8AC3E}">
-        <p14:creationId xmlns:p14="http://schemas.microsoft.com/office/powerpoint/2010/main" val="808866858"/>
+        <p14:creationId xmlns:p14="http://schemas.microsoft.com/office/powerpoint/2010/main" val="2533128731"/>
       </p:ext>
     </p:extLst>
   </p:cSld>
@@ -5374,34 +5481,6 @@
           <a:p>
             <a:endParaRPr lang="en-US" sz="2800" dirty="0" smtClean="0"/>
           </a:p>
-          <a:p>
-            <a:r>
-              <a:rPr lang="en-US" sz="2800" dirty="0" smtClean="0"/>
-              <a:t>Danny Gershman</a:t>
-            </a:r>
-          </a:p>
-          <a:p>
-            <a:r>
-              <a:rPr lang="en-US" sz="2800" dirty="0" smtClean="0"/>
-              <a:t>Principal Engineer @ </a:t>
-            </a:r>
-            <a:r>
-              <a:rPr lang="en-US" sz="2800" dirty="0" err="1" smtClean="0"/>
-              <a:t>Cinchcast</a:t>
-            </a:r>
-            <a:endParaRPr lang="en-US" sz="2800" dirty="0" smtClean="0"/>
-          </a:p>
-          <a:p>
-            <a:r>
-              <a:rPr lang="en-US" sz="2800" dirty="0" smtClean="0"/>
-              <a:t>@</a:t>
-            </a:r>
-            <a:r>
-              <a:rPr lang="en-US" sz="2800" dirty="0" err="1" smtClean="0"/>
-              <a:t>dannygnj</a:t>
-            </a:r>
-            <a:endParaRPr lang="en-US" sz="2800" dirty="0" smtClean="0"/>
-          </a:p>
         </p:txBody>
       </p:sp>
     </p:spTree>
@@ -5471,7 +5550,7 @@
           <a:p>
             <a:r>
               <a:rPr lang="en-US" dirty="0" smtClean="0"/>
-              <a:t>Notification Demo</a:t>
+              <a:t>Monitoring/Failover  Demo</a:t>
             </a:r>
             <a:endParaRPr lang="en-US" dirty="0"/>
           </a:p>
@@ -5524,6 +5603,79 @@
       </p:grpSpPr>
       <p:sp>
         <p:nvSpPr>
+          <p:cNvPr id="2" name="Title 1"/>
+          <p:cNvSpPr>
+            <a:spLocks noGrp="1"/>
+          </p:cNvSpPr>
+          <p:nvPr>
+            <p:ph type="title"/>
+          </p:nvPr>
+        </p:nvSpPr>
+        <p:spPr>
+          <a:xfrm>
+            <a:off x="779462" y="2470231"/>
+            <a:ext cx="7581901" cy="1653988"/>
+          </a:xfrm>
+        </p:spPr>
+        <p:txBody>
+          <a:bodyPr/>
+          <a:lstStyle/>
+          <a:p>
+            <a:r>
+              <a:rPr lang="en-US" dirty="0" smtClean="0"/>
+              <a:t>Notification Demo</a:t>
+            </a:r>
+            <a:endParaRPr lang="en-US" dirty="0"/>
+          </a:p>
+        </p:txBody>
+      </p:sp>
+    </p:spTree>
+    <p:extLst>
+      <p:ext uri="{BB962C8B-B14F-4D97-AF65-F5344CB8AC3E}">
+        <p14:creationId xmlns:p14="http://schemas.microsoft.com/office/powerpoint/2010/main" val="2281058756"/>
+      </p:ext>
+    </p:extLst>
+  </p:cSld>
+  <p:clrMapOvr>
+    <a:masterClrMapping/>
+  </p:clrMapOvr>
+  <mc:AlternateContent xmlns:mc="http://schemas.openxmlformats.org/markup-compatibility/2006" xmlns:p14="http://schemas.microsoft.com/office/powerpoint/2010/main">
+    <mc:Choice Requires="p14">
+      <p:transition spd="slow" p14:dur="2000"/>
+    </mc:Choice>
+    <mc:Fallback xmlns="">
+      <p:transition xmlns:p14="http://schemas.microsoft.com/office/powerpoint/2010/main" spd="slow"/>
+    </mc:Fallback>
+  </mc:AlternateContent>
+  <p:timing>
+    <p:tnLst>
+      <p:par>
+        <p:cTn xmlns:p14="http://schemas.microsoft.com/office/powerpoint/2010/main" id="1" dur="indefinite" restart="never" nodeType="tmRoot"/>
+      </p:par>
+    </p:tnLst>
+  </p:timing>
+</p:sld>
+</file>
+
+<file path=ppt/slides/slide12.xml><?xml version="1.0" encoding="utf-8"?>
+<p:sld xmlns:a="http://schemas.openxmlformats.org/drawingml/2006/main" xmlns:r="http://schemas.openxmlformats.org/officeDocument/2006/relationships" xmlns:p="http://schemas.openxmlformats.org/presentationml/2006/main">
+  <p:cSld>
+    <p:spTree>
+      <p:nvGrpSpPr>
+        <p:cNvPr id="1" name=""/>
+        <p:cNvGrpSpPr/>
+        <p:nvPr/>
+      </p:nvGrpSpPr>
+      <p:grpSpPr>
+        <a:xfrm>
+          <a:off x="0" y="0"/>
+          <a:ext cx="0" cy="0"/>
+          <a:chOff x="0" y="0"/>
+          <a:chExt cx="0" cy="0"/>
+        </a:xfrm>
+      </p:grpSpPr>
+      <p:sp>
+        <p:nvSpPr>
           <p:cNvPr id="3" name="Title 2"/>
           <p:cNvSpPr>
             <a:spLocks noGrp="1"/>
@@ -5597,6 +5749,140 @@
 </file>
 
 <file path=ppt/slides/slide2.xml><?xml version="1.0" encoding="utf-8"?>
+<p:sld xmlns:a="http://schemas.openxmlformats.org/drawingml/2006/main" xmlns:r="http://schemas.openxmlformats.org/officeDocument/2006/relationships" xmlns:p="http://schemas.openxmlformats.org/presentationml/2006/main">
+  <p:cSld>
+    <p:spTree>
+      <p:nvGrpSpPr>
+        <p:cNvPr id="1" name=""/>
+        <p:cNvGrpSpPr/>
+        <p:nvPr/>
+      </p:nvGrpSpPr>
+      <p:grpSpPr>
+        <a:xfrm>
+          <a:off x="0" y="0"/>
+          <a:ext cx="0" cy="0"/>
+          <a:chOff x="0" y="0"/>
+          <a:chExt cx="0" cy="0"/>
+        </a:xfrm>
+      </p:grpSpPr>
+      <p:sp>
+        <p:nvSpPr>
+          <p:cNvPr id="2" name="Title 1"/>
+          <p:cNvSpPr>
+            <a:spLocks noGrp="1"/>
+          </p:cNvSpPr>
+          <p:nvPr>
+            <p:ph type="title"/>
+          </p:nvPr>
+        </p:nvSpPr>
+        <p:spPr>
+          <a:xfrm>
+            <a:off x="779462" y="107576"/>
+            <a:ext cx="7581901" cy="6431599"/>
+          </a:xfrm>
+        </p:spPr>
+        <p:txBody>
+          <a:bodyPr/>
+          <a:lstStyle/>
+          <a:p>
+            <a:r>
+              <a:rPr lang="en-US" dirty="0" smtClean="0"/>
+              <a:t>Who Am I?</a:t>
+            </a:r>
+            <a:br>
+              <a:rPr lang="en-US" dirty="0" smtClean="0"/>
+            </a:br>
+            <a:r>
+              <a:rPr lang="en-US" dirty="0"/>
+              <a:t/>
+            </a:r>
+            <a:br>
+              <a:rPr lang="en-US" dirty="0"/>
+            </a:br>
+            <a:r>
+              <a:rPr lang="en-US" sz="4000" dirty="0" smtClean="0"/>
+              <a:t>Danny Gershman</a:t>
+            </a:r>
+            <a:br>
+              <a:rPr lang="en-US" sz="4000" dirty="0" smtClean="0"/>
+            </a:br>
+            <a:r>
+              <a:rPr lang="en-US" sz="4000" dirty="0" smtClean="0"/>
+              <a:t>Principal Engineer @ </a:t>
+            </a:r>
+            <a:r>
+              <a:rPr lang="en-US" sz="4000" dirty="0" err="1" smtClean="0"/>
+              <a:t>Cinchcast</a:t>
+            </a:r>
+            <a:r>
+              <a:rPr lang="en-US" sz="4000" dirty="0" smtClean="0"/>
+              <a:t/>
+            </a:r>
+            <a:br>
+              <a:rPr lang="en-US" sz="4000" dirty="0" smtClean="0"/>
+            </a:br>
+            <a:r>
+              <a:rPr lang="en-US" sz="4000" dirty="0" smtClean="0"/>
+              <a:t>@</a:t>
+            </a:r>
+            <a:r>
+              <a:rPr lang="en-US" sz="4000" dirty="0" err="1" smtClean="0"/>
+              <a:t>dannygnj</a:t>
+            </a:r>
+            <a:r>
+              <a:rPr lang="en-US" sz="4000" dirty="0" smtClean="0"/>
+              <a:t/>
+            </a:r>
+            <a:br>
+              <a:rPr lang="en-US" sz="4000" dirty="0" smtClean="0"/>
+            </a:br>
+            <a:r>
+              <a:rPr lang="en-US" sz="4000" dirty="0" smtClean="0"/>
+              <a:t/>
+            </a:r>
+            <a:br>
+              <a:rPr lang="en-US" sz="4000" dirty="0" smtClean="0"/>
+            </a:br>
+            <a:r>
+              <a:rPr lang="en-US" sz="2800" dirty="0" err="1" smtClean="0"/>
+              <a:t>r&amp;d</a:t>
+            </a:r>
+            <a:r>
+              <a:rPr lang="en-US" sz="2800" dirty="0" smtClean="0"/>
+              <a:t> </a:t>
+            </a:r>
+            <a:br>
+              <a:rPr lang="en-US" sz="2800" dirty="0" smtClean="0"/>
+            </a:br>
+            <a:r>
+              <a:rPr lang="en-US" sz="2800" dirty="0" smtClean="0"/>
+              <a:t>write cool stuff</a:t>
+            </a:r>
+            <a:br>
+              <a:rPr lang="en-US" sz="2800" dirty="0" smtClean="0"/>
+            </a:br>
+            <a:r>
+              <a:rPr lang="en-US" sz="2800" dirty="0" smtClean="0"/>
+              <a:t>teller of bad jokes</a:t>
+            </a:r>
+            <a:endParaRPr lang="en-US" sz="2800" dirty="0"/>
+          </a:p>
+        </p:txBody>
+      </p:sp>
+    </p:spTree>
+    <p:extLst>
+      <p:ext uri="{BB962C8B-B14F-4D97-AF65-F5344CB8AC3E}">
+        <p14:creationId xmlns:p14="http://schemas.microsoft.com/office/powerpoint/2010/main" val="2132612287"/>
+      </p:ext>
+    </p:extLst>
+  </p:cSld>
+  <p:clrMapOvr>
+    <a:masterClrMapping/>
+  </p:clrMapOvr>
+</p:sld>
+</file>
+
+<file path=ppt/slides/slide3.xml><?xml version="1.0" encoding="utf-8"?>
 <p:sld xmlns:a="http://schemas.openxmlformats.org/drawingml/2006/main" xmlns:r="http://schemas.openxmlformats.org/officeDocument/2006/relationships" xmlns:p="http://schemas.openxmlformats.org/presentationml/2006/main">
   <p:cSld>
     <p:spTree>
@@ -5718,7 +6004,7 @@
 </p:sld>
 </file>
 
-<file path=ppt/slides/slide3.xml><?xml version="1.0" encoding="utf-8"?>
+<file path=ppt/slides/slide4.xml><?xml version="1.0" encoding="utf-8"?>
 <p:sld xmlns:a="http://schemas.openxmlformats.org/drawingml/2006/main" xmlns:r="http://schemas.openxmlformats.org/officeDocument/2006/relationships" xmlns:p="http://schemas.openxmlformats.org/presentationml/2006/main">
   <p:cSld>
     <p:spTree>
@@ -5821,7 +6107,7 @@
 </p:sld>
 </file>
 
-<file path=ppt/slides/slide4.xml><?xml version="1.0" encoding="utf-8"?>
+<file path=ppt/slides/slide5.xml><?xml version="1.0" encoding="utf-8"?>
 <p:sld xmlns:a="http://schemas.openxmlformats.org/drawingml/2006/main" xmlns:r="http://schemas.openxmlformats.org/officeDocument/2006/relationships" xmlns:p="http://schemas.openxmlformats.org/presentationml/2006/main">
   <p:cSld>
     <p:spTree>
@@ -5908,7 +6194,7 @@
 </p:sld>
 </file>
 
-<file path=ppt/slides/slide5.xml><?xml version="1.0" encoding="utf-8"?>
+<file path=ppt/slides/slide6.xml><?xml version="1.0" encoding="utf-8"?>
 <p:sld xmlns:a="http://schemas.openxmlformats.org/drawingml/2006/main" xmlns:r="http://schemas.openxmlformats.org/officeDocument/2006/relationships" xmlns:p="http://schemas.openxmlformats.org/presentationml/2006/main">
   <p:cSld>
     <p:spTree>
@@ -6038,79 +6324,6 @@
 </p:sld>
 </file>
 
-<file path=ppt/slides/slide6.xml><?xml version="1.0" encoding="utf-8"?>
-<p:sld xmlns:a="http://schemas.openxmlformats.org/drawingml/2006/main" xmlns:r="http://schemas.openxmlformats.org/officeDocument/2006/relationships" xmlns:p="http://schemas.openxmlformats.org/presentationml/2006/main">
-  <p:cSld>
-    <p:spTree>
-      <p:nvGrpSpPr>
-        <p:cNvPr id="1" name=""/>
-        <p:cNvGrpSpPr/>
-        <p:nvPr/>
-      </p:nvGrpSpPr>
-      <p:grpSpPr>
-        <a:xfrm>
-          <a:off x="0" y="0"/>
-          <a:ext cx="0" cy="0"/>
-          <a:chOff x="0" y="0"/>
-          <a:chExt cx="0" cy="0"/>
-        </a:xfrm>
-      </p:grpSpPr>
-      <p:sp>
-        <p:nvSpPr>
-          <p:cNvPr id="2" name="Title 1"/>
-          <p:cNvSpPr>
-            <a:spLocks noGrp="1"/>
-          </p:cNvSpPr>
-          <p:nvPr>
-            <p:ph type="title"/>
-          </p:nvPr>
-        </p:nvSpPr>
-        <p:spPr>
-          <a:xfrm>
-            <a:off x="779462" y="2470231"/>
-            <a:ext cx="7581901" cy="1653988"/>
-          </a:xfrm>
-        </p:spPr>
-        <p:txBody>
-          <a:bodyPr/>
-          <a:lstStyle/>
-          <a:p>
-            <a:r>
-              <a:rPr lang="en-US" dirty="0" smtClean="0"/>
-              <a:t>Challenges</a:t>
-            </a:r>
-            <a:endParaRPr lang="en-US" dirty="0"/>
-          </a:p>
-        </p:txBody>
-      </p:sp>
-    </p:spTree>
-    <p:extLst>
-      <p:ext uri="{BB962C8B-B14F-4D97-AF65-F5344CB8AC3E}">
-        <p14:creationId xmlns:p14="http://schemas.microsoft.com/office/powerpoint/2010/main" val="2281058756"/>
-      </p:ext>
-    </p:extLst>
-  </p:cSld>
-  <p:clrMapOvr>
-    <a:masterClrMapping/>
-  </p:clrMapOvr>
-  <mc:AlternateContent xmlns:mc="http://schemas.openxmlformats.org/markup-compatibility/2006" xmlns:p14="http://schemas.microsoft.com/office/powerpoint/2010/main">
-    <mc:Choice Requires="p14">
-      <p:transition spd="slow" p14:dur="2000"/>
-    </mc:Choice>
-    <mc:Fallback xmlns="">
-      <p:transition xmlns:p14="http://schemas.microsoft.com/office/powerpoint/2010/main" spd="slow"/>
-    </mc:Fallback>
-  </mc:AlternateContent>
-  <p:timing>
-    <p:tnLst>
-      <p:par>
-        <p:cTn xmlns:p14="http://schemas.microsoft.com/office/powerpoint/2010/main" id="1" dur="indefinite" restart="never" nodeType="tmRoot"/>
-      </p:par>
-    </p:tnLst>
-  </p:timing>
-</p:sld>
-</file>
-
 <file path=ppt/slides/slide7.xml><?xml version="1.0" encoding="utf-8"?>
 <p:sld xmlns:a="http://schemas.openxmlformats.org/drawingml/2006/main" xmlns:r="http://schemas.openxmlformats.org/officeDocument/2006/relationships" xmlns:p="http://schemas.openxmlformats.org/presentationml/2006/main">
   <p:cSld>
@@ -6150,16 +6363,9 @@
           <a:p>
             <a:r>
               <a:rPr lang="en-US" dirty="0" smtClean="0"/>
-              <a:t>What’s Sentinel?</a:t>
-            </a:r>
-            <a:br>
-              <a:rPr lang="en-US" dirty="0" smtClean="0"/>
-            </a:br>
-            <a:r>
-              <a:rPr lang="en-US" sz="3200" dirty="0" smtClean="0"/>
-              <a:t>Monitoring – Notification – Auto Failover</a:t>
-            </a:r>
-            <a:endParaRPr lang="en-US" sz="3200" dirty="0"/>
+              <a:t>Challenges</a:t>
+            </a:r>
+            <a:endParaRPr lang="en-US" dirty="0"/>
           </a:p>
         </p:txBody>
       </p:sp>
@@ -6220,6 +6426,86 @@
         </p:nvSpPr>
         <p:spPr>
           <a:xfrm>
+            <a:off x="779462" y="2470231"/>
+            <a:ext cx="7581901" cy="1653988"/>
+          </a:xfrm>
+        </p:spPr>
+        <p:txBody>
+          <a:bodyPr/>
+          <a:lstStyle/>
+          <a:p>
+            <a:r>
+              <a:rPr lang="en-US" dirty="0" smtClean="0"/>
+              <a:t>What’s Sentinel?</a:t>
+            </a:r>
+            <a:br>
+              <a:rPr lang="en-US" dirty="0" smtClean="0"/>
+            </a:br>
+            <a:r>
+              <a:rPr lang="en-US" sz="3200" dirty="0" smtClean="0"/>
+              <a:t>Monitoring – Notification – Auto Failover</a:t>
+            </a:r>
+            <a:endParaRPr lang="en-US" sz="3200" dirty="0"/>
+          </a:p>
+        </p:txBody>
+      </p:sp>
+    </p:spTree>
+    <p:extLst>
+      <p:ext uri="{BB962C8B-B14F-4D97-AF65-F5344CB8AC3E}">
+        <p14:creationId xmlns:p14="http://schemas.microsoft.com/office/powerpoint/2010/main" val="2281058756"/>
+      </p:ext>
+    </p:extLst>
+  </p:cSld>
+  <p:clrMapOvr>
+    <a:masterClrMapping/>
+  </p:clrMapOvr>
+  <mc:AlternateContent xmlns:mc="http://schemas.openxmlformats.org/markup-compatibility/2006" xmlns:p14="http://schemas.microsoft.com/office/powerpoint/2010/main">
+    <mc:Choice Requires="p14">
+      <p:transition spd="slow" p14:dur="2000"/>
+    </mc:Choice>
+    <mc:Fallback xmlns="">
+      <p:transition xmlns:p14="http://schemas.microsoft.com/office/powerpoint/2010/main" spd="slow"/>
+    </mc:Fallback>
+  </mc:AlternateContent>
+  <p:timing>
+    <p:tnLst>
+      <p:par>
+        <p:cTn xmlns:p14="http://schemas.microsoft.com/office/powerpoint/2010/main" id="1" dur="indefinite" restart="never" nodeType="tmRoot"/>
+      </p:par>
+    </p:tnLst>
+  </p:timing>
+</p:sld>
+</file>
+
+<file path=ppt/slides/slide9.xml><?xml version="1.0" encoding="utf-8"?>
+<p:sld xmlns:a="http://schemas.openxmlformats.org/drawingml/2006/main" xmlns:r="http://schemas.openxmlformats.org/officeDocument/2006/relationships" xmlns:p="http://schemas.openxmlformats.org/presentationml/2006/main">
+  <p:cSld>
+    <p:spTree>
+      <p:nvGrpSpPr>
+        <p:cNvPr id="1" name=""/>
+        <p:cNvGrpSpPr/>
+        <p:nvPr/>
+      </p:nvGrpSpPr>
+      <p:grpSpPr>
+        <a:xfrm>
+          <a:off x="0" y="0"/>
+          <a:ext cx="0" cy="0"/>
+          <a:chOff x="0" y="0"/>
+          <a:chExt cx="0" cy="0"/>
+        </a:xfrm>
+      </p:grpSpPr>
+      <p:sp>
+        <p:nvSpPr>
+          <p:cNvPr id="2" name="Title 1"/>
+          <p:cNvSpPr>
+            <a:spLocks noGrp="1"/>
+          </p:cNvSpPr>
+          <p:nvPr>
+            <p:ph type="title"/>
+          </p:nvPr>
+        </p:nvSpPr>
+        <p:spPr>
+          <a:xfrm>
             <a:off x="779462" y="3484760"/>
             <a:ext cx="7581901" cy="356872"/>
           </a:xfrm>
@@ -6279,79 +6565,6 @@
   <p:clrMapOvr>
     <a:masterClrMapping/>
   </p:clrMapOvr>
-</p:sld>
-</file>
-
-<file path=ppt/slides/slide9.xml><?xml version="1.0" encoding="utf-8"?>
-<p:sld xmlns:a="http://schemas.openxmlformats.org/drawingml/2006/main" xmlns:r="http://schemas.openxmlformats.org/officeDocument/2006/relationships" xmlns:p="http://schemas.openxmlformats.org/presentationml/2006/main">
-  <p:cSld>
-    <p:spTree>
-      <p:nvGrpSpPr>
-        <p:cNvPr id="1" name=""/>
-        <p:cNvGrpSpPr/>
-        <p:nvPr/>
-      </p:nvGrpSpPr>
-      <p:grpSpPr>
-        <a:xfrm>
-          <a:off x="0" y="0"/>
-          <a:ext cx="0" cy="0"/>
-          <a:chOff x="0" y="0"/>
-          <a:chExt cx="0" cy="0"/>
-        </a:xfrm>
-      </p:grpSpPr>
-      <p:sp>
-        <p:nvSpPr>
-          <p:cNvPr id="2" name="Title 1"/>
-          <p:cNvSpPr>
-            <a:spLocks noGrp="1"/>
-          </p:cNvSpPr>
-          <p:nvPr>
-            <p:ph type="title"/>
-          </p:nvPr>
-        </p:nvSpPr>
-        <p:spPr>
-          <a:xfrm>
-            <a:off x="779462" y="2470231"/>
-            <a:ext cx="7581901" cy="1653988"/>
-          </a:xfrm>
-        </p:spPr>
-        <p:txBody>
-          <a:bodyPr/>
-          <a:lstStyle/>
-          <a:p>
-            <a:r>
-              <a:rPr lang="en-US" dirty="0" smtClean="0"/>
-              <a:t>Monitoring/Failover  Demo</a:t>
-            </a:r>
-            <a:endParaRPr lang="en-US" dirty="0"/>
-          </a:p>
-        </p:txBody>
-      </p:sp>
-    </p:spTree>
-    <p:extLst>
-      <p:ext uri="{BB962C8B-B14F-4D97-AF65-F5344CB8AC3E}">
-        <p14:creationId xmlns:p14="http://schemas.microsoft.com/office/powerpoint/2010/main" val="2281058756"/>
-      </p:ext>
-    </p:extLst>
-  </p:cSld>
-  <p:clrMapOvr>
-    <a:masterClrMapping/>
-  </p:clrMapOvr>
-  <mc:AlternateContent xmlns:mc="http://schemas.openxmlformats.org/markup-compatibility/2006" xmlns:p14="http://schemas.microsoft.com/office/powerpoint/2010/main">
-    <mc:Choice Requires="p14">
-      <p:transition spd="slow" p14:dur="2000"/>
-    </mc:Choice>
-    <mc:Fallback xmlns="">
-      <p:transition xmlns:p14="http://schemas.microsoft.com/office/powerpoint/2010/main" spd="slow"/>
-    </mc:Fallback>
-  </mc:AlternateContent>
-  <p:timing>
-    <p:tnLst>
-      <p:par>
-        <p:cTn xmlns:p14="http://schemas.microsoft.com/office/powerpoint/2010/main" id="1" dur="indefinite" restart="never" nodeType="tmRoot"/>
-      </p:par>
-    </p:tnLst>
-  </p:timing>
 </p:sld>
 </file>
 
